--- a/Jar send/Infocus Image Template - CAST.pptx
+++ b/Jar send/Infocus Image Template - CAST.pptx
@@ -5,13 +5,14 @@
     <p:sldMasterId id="2147483660" r:id="rId1"/>
   </p:sldMasterIdLst>
   <p:notesMasterIdLst>
-    <p:notesMasterId r:id="rId6"/>
+    <p:notesMasterId r:id="rId7"/>
   </p:notesMasterIdLst>
   <p:sldIdLst>
     <p:sldId id="258" r:id="rId2"/>
     <p:sldId id="260" r:id="rId3"/>
-    <p:sldId id="261" r:id="rId4"/>
-    <p:sldId id="259" r:id="rId5"/>
+    <p:sldId id="262" r:id="rId4"/>
+    <p:sldId id="261" r:id="rId5"/>
+    <p:sldId id="259" r:id="rId6"/>
   </p:sldIdLst>
   <p:sldSz cx="11468100" cy="4857750"/>
   <p:notesSz cx="6858000" cy="9144000"/>
@@ -209,6 +210,202 @@
 </pc:chgInfo>
 </file>
 
+<file path=ppt/ink/ink1.xml><?xml version="1.0" encoding="utf-8"?>
+<inkml:ink xmlns:inkml="http://www.w3.org/2003/InkML">
+  <inkml:definitions>
+    <inkml:context xml:id="ctx0">
+      <inkml:inkSource xml:id="inkSrc0">
+        <inkml:traceFormat>
+          <inkml:channel name="X" type="integer" min="-2.14748E9" max="2.14748E9" units="cm"/>
+          <inkml:channel name="Y" type="integer" min="-2.14748E9" max="2.14748E9" units="cm"/>
+          <inkml:channel name="F" type="integer" max="32767" units="dev"/>
+        </inkml:traceFormat>
+        <inkml:channelProperties>
+          <inkml:channelProperty channel="X" name="resolution" value="1000" units="1/cm"/>
+          <inkml:channelProperty channel="Y" name="resolution" value="1000" units="1/cm"/>
+          <inkml:channelProperty channel="F" name="resolution" value="0" units="1/dev"/>
+        </inkml:channelProperties>
+      </inkml:inkSource>
+      <inkml:timestamp xml:id="ts0" timeString="2024-03-26T11:22:20.575"/>
+    </inkml:context>
+    <inkml:brush xml:id="br0">
+      <inkml:brushProperty name="width" value="0.035" units="cm"/>
+      <inkml:brushProperty name="height" value="0.035" units="cm"/>
+      <inkml:brushProperty name="color" value="#E71224"/>
+    </inkml:brush>
+  </inkml:definitions>
+  <inkml:trace contextRef="#ctx0" brushRef="#br0">0 4 3346,'4'-4'21948,"-2"6"-21702,3 15-188,-1 0 0,-1 1-1,0-1 1,-2 1 0,0 0 0,-2 27 0,1-23-42,8 429-461,-6-124-905,0-321 2089,0-2-3803,-1-4 2832,-1 0 1,0 0 0,0 0-1,1 0 1,-1 0-1,0 0 1,0 0-1,0 0 1,1 0 0,-1 0-1,0 0 1,0 0-1,0 0 1,1 0-1,-1 0 1,2-5-6018,-2 4 6018,0 1-1,0 0 1,0 0 0,0 0-1,0-1 1,0 1-1,0 0 1,-1 0-1,1-1-925,0-8-7268</inkml:trace>
+</inkml:ink>
+</file>
+
+<file path=ppt/ink/ink2.xml><?xml version="1.0" encoding="utf-8"?>
+<inkml:ink xmlns:inkml="http://www.w3.org/2003/InkML">
+  <inkml:definitions>
+    <inkml:context xml:id="ctx0">
+      <inkml:inkSource xml:id="inkSrc0">
+        <inkml:traceFormat>
+          <inkml:channel name="X" type="integer" min="-2.14748E9" max="2.14748E9" units="cm"/>
+          <inkml:channel name="Y" type="integer" min="-2.14748E9" max="2.14748E9" units="cm"/>
+          <inkml:channel name="F" type="integer" max="32767" units="dev"/>
+        </inkml:traceFormat>
+        <inkml:channelProperties>
+          <inkml:channelProperty channel="X" name="resolution" value="1000" units="1/cm"/>
+          <inkml:channelProperty channel="Y" name="resolution" value="1000" units="1/cm"/>
+          <inkml:channelProperty channel="F" name="resolution" value="0" units="1/dev"/>
+        </inkml:channelProperties>
+      </inkml:inkSource>
+      <inkml:timestamp xml:id="ts0" timeString="2024-03-26T11:22:24.547"/>
+    </inkml:context>
+    <inkml:brush xml:id="br0">
+      <inkml:brushProperty name="width" value="0.035" units="cm"/>
+      <inkml:brushProperty name="height" value="0.035" units="cm"/>
+      <inkml:brushProperty name="color" value="#E71224"/>
+    </inkml:brush>
+  </inkml:definitions>
+  <inkml:trace contextRef="#ctx0" brushRef="#br0">51 97 3474,'0'0'13889,"-37"7"-5563,26-5-7648,9-2-642,20 0-162,45 0-415,-15 0-47,-46 0 481,-6 0 28,-25 0 32,-24 5 1048,53-5-1052,0-2-43,0-1-1,1 1 0,0-1 1,-1 1-1,1 0 1,0-1-1,0 1 0,0 0 1,0 0-1,3-4 1,-2 3 97,0 0 0,0 1-1,-1-1 1,1 0 0,-1-1 0,0 1 0,0 0 0,0 0 0,0-1 0,0 1-1,-1-6 1,0 9 350,-19 12 330,12-5-685,16-21-58,16-30 159,5 46-48,-29 0-47,1 0 0,-1 0 1,1 0-1,-1 0 0,0 1 1,0-1-1,0 0 0,0 1 0,-1-1 1,1 3-1,0-3-2,-1-1 0,0 0 0,0 1 0,0-1 0,1 1 0,-1-1 0,1 1 0,-1-1 0,1 1 0,-1-1 0,1 0 0,0 0 0,0 1 0,0-1 0,0 0 0,-1 0 0,2 0 0,-1 0 0,0 0 0,0 0 0,0 0 0,0 0 0,1 0 0,-1-1 0,0 1 0,1 0 0,-1-1 0,0 1 0,1-1 0,2 1 0,-3-1 142,-4 1-117,0-1 0,1 1 0,-1-1 0,0 0 1,1 0-1,-1 0 0,0 0 0,1 0 0,-1 0 0,0-1 0,1 1 0,-1-1 1,0 0-1,1 0 0,-1 0 0,1 0 0,-1 0 0,1-1 0,-4-2 0,3 2-425,0 0 0,-1 1 0,0-1 0,1 1-1,-1-1 1,0 1 0,0 0 0,-5 0 0,8 1 537,0 1 0,0-1 1,0 1-1,0-1 0,0 1 1,1-1-1,-1 1 0,0 0 1,0-1-1,0 1 0,1 0 1,-1 0-1,1 0 0,-1 0 1,0-1-1,1 1 0,-1 0 1,1 0-1,0 0 0,-1 0 1,1 1-1,-10 27-623,8-22 733,-2 3-248,2-4-4,0 0 1,0 0 0,0 1-1,1-1 1,0 1 0,-1 11-1,2-17 201,0-22-8805,0 13 948</inkml:trace>
+</inkml:ink>
+</file>
+
+<file path=ppt/ink/ink3.xml><?xml version="1.0" encoding="utf-8"?>
+<inkml:ink xmlns:inkml="http://www.w3.org/2003/InkML">
+  <inkml:definitions>
+    <inkml:context xml:id="ctx0">
+      <inkml:inkSource xml:id="inkSrc0">
+        <inkml:traceFormat>
+          <inkml:channel name="X" type="integer" min="-2.14748E9" max="2.14748E9" units="cm"/>
+          <inkml:channel name="Y" type="integer" min="-2.14748E9" max="2.14748E9" units="cm"/>
+          <inkml:channel name="F" type="integer" max="32767" units="dev"/>
+        </inkml:traceFormat>
+        <inkml:channelProperties>
+          <inkml:channelProperty channel="X" name="resolution" value="1000" units="1/cm"/>
+          <inkml:channelProperty channel="Y" name="resolution" value="1000" units="1/cm"/>
+          <inkml:channelProperty channel="F" name="resolution" value="0" units="1/dev"/>
+        </inkml:channelProperties>
+      </inkml:inkSource>
+      <inkml:timestamp xml:id="ts0" timeString="2024-03-26T11:22:28.147"/>
+    </inkml:context>
+    <inkml:brush xml:id="br0">
+      <inkml:brushProperty name="width" value="0.035" units="cm"/>
+      <inkml:brushProperty name="height" value="0.035" units="cm"/>
+      <inkml:brushProperty name="color" value="#E71224"/>
+    </inkml:brush>
+  </inkml:definitions>
+  <inkml:trace contextRef="#ctx0" brushRef="#br0">70 169 704,'0'0'19772,"41"0"-17627,71 0-587,-150 0-1019,23 0-367,2 0-48,-1 0 1,1 0 0,0 2-1,-23 4 1,31-5 17,0 0 0,0 0-1,-1-1 1,1 1 0,0-1 0,-10-1 0,-19 0 7,34 1-144,0-1-679,0 0 671,1 0 1,-1 1 0,0-1-1,1 0 1,-1 0 0,1 0 0,-1 1-1,1-1 1,0 0 0,-1 1 0,1-1-1,0 1 1,-1-1 0,1 0-1,0 1 1,-1 0 0,1-1 0,0 1-1,0-1 1,0 1 0,0 0-1,-1 0 1,1-1 0,0 1 0,0 0-1,0 0 1,0 0 0,1 0-1,28-2-147,-28 2 113,60-3-467,39 1-492,-112-32 1410,-28-52 1027,30 74-1328,8 11-158,0 0 0,0 0 0,0 0 1,0 0-1,0 0 0,0-1 0,0 1 0,0 0 1,1-1-1,-1 1 0,0 0 0,1-1 0,-1 1 1,1-1-1,0 1 0,-1-3 0,-12 18 400,-1 18-274,11-26-64,0 0-1,0-1 1,0 1-1,1 0 1,0 1 0,0-1-1,-1 12 1,3-16 3,-1 1 1,0-1 0,1 0 0,-1 0 0,0 1 0,0-1 0,0 0 0,-1 0 0,1 0 0,0 0-1,-1 0 1,1-1 0,-1 1 0,0 0 0,-2 2 0,-15 18 53,-3-8 51,20-13-138,2-1-43,14 2-61,1-1 29,-1 0 0,0 0 0,26-4 0,4 1-398,-32-1 693,0 0-1171,-1 2-3236</inkml:trace>
+</inkml:ink>
+</file>
+
+<file path=ppt/ink/ink4.xml><?xml version="1.0" encoding="utf-8"?>
+<inkml:ink xmlns:inkml="http://www.w3.org/2003/InkML">
+  <inkml:definitions>
+    <inkml:context xml:id="ctx0">
+      <inkml:inkSource xml:id="inkSrc0">
+        <inkml:traceFormat>
+          <inkml:channel name="X" type="integer" min="-2.14748E9" max="2.14748E9" units="cm"/>
+          <inkml:channel name="Y" type="integer" min="-2.14748E9" max="2.14748E9" units="cm"/>
+          <inkml:channel name="F" type="integer" max="32767" units="dev"/>
+        </inkml:traceFormat>
+        <inkml:channelProperties>
+          <inkml:channelProperty channel="X" name="resolution" value="1000" units="1/cm"/>
+          <inkml:channelProperty channel="Y" name="resolution" value="1000" units="1/cm"/>
+          <inkml:channelProperty channel="F" name="resolution" value="0" units="1/dev"/>
+        </inkml:channelProperties>
+      </inkml:inkSource>
+      <inkml:timestamp xml:id="ts0" timeString="2024-03-26T11:22:32.341"/>
+    </inkml:context>
+    <inkml:brush xml:id="br0">
+      <inkml:brushProperty name="width" value="0.035" units="cm"/>
+      <inkml:brushProperty name="height" value="0.035" units="cm"/>
+      <inkml:brushProperty name="color" value="#E71224"/>
+    </inkml:brush>
+  </inkml:definitions>
+  <inkml:trace contextRef="#ctx0" brushRef="#br0">0 2 2033,'0'-2'19953,"0"312"-17901,11-180-1871,-8 226-3446,-5-352 4019,1-1-2895</inkml:trace>
+</inkml:ink>
+</file>
+
+<file path=ppt/ink/ink5.xml><?xml version="1.0" encoding="utf-8"?>
+<inkml:ink xmlns:inkml="http://www.w3.org/2003/InkML">
+  <inkml:definitions>
+    <inkml:context xml:id="ctx0">
+      <inkml:inkSource xml:id="inkSrc0">
+        <inkml:traceFormat>
+          <inkml:channel name="X" type="integer" min="-2.14748E9" max="2.14748E9" units="cm"/>
+          <inkml:channel name="Y" type="integer" min="-2.14748E9" max="2.14748E9" units="cm"/>
+          <inkml:channel name="F" type="integer" max="32767" units="dev"/>
+        </inkml:traceFormat>
+        <inkml:channelProperties>
+          <inkml:channelProperty channel="X" name="resolution" value="1000" units="1/cm"/>
+          <inkml:channelProperty channel="Y" name="resolution" value="1000" units="1/cm"/>
+          <inkml:channelProperty channel="F" name="resolution" value="0" units="1/dev"/>
+        </inkml:channelProperties>
+      </inkml:inkSource>
+      <inkml:timestamp xml:id="ts0" timeString="2024-03-26T11:22:34.276"/>
+    </inkml:context>
+    <inkml:brush xml:id="br0">
+      <inkml:brushProperty name="width" value="0.035" units="cm"/>
+      <inkml:brushProperty name="height" value="0.035" units="cm"/>
+      <inkml:brushProperty name="color" value="#E71224"/>
+    </inkml:brush>
+  </inkml:definitions>
+  <inkml:trace contextRef="#ctx0" brushRef="#br0">3 0 1793,'0'0'21378,"3"41"-21072,0-2-149,-2 0 0,-3 41 0,0-5 77,5 185 526,-6-60-1208,-2-155 584,5-44-149,0 5 233,0 0-1299</inkml:trace>
+</inkml:ink>
+</file>
+
+<file path=ppt/ink/ink6.xml><?xml version="1.0" encoding="utf-8"?>
+<inkml:ink xmlns:inkml="http://www.w3.org/2003/InkML">
+  <inkml:definitions>
+    <inkml:context xml:id="ctx0">
+      <inkml:inkSource xml:id="inkSrc0">
+        <inkml:traceFormat>
+          <inkml:channel name="X" type="integer" min="-2.14748E9" max="2.14748E9" units="cm"/>
+          <inkml:channel name="Y" type="integer" min="-2.14748E9" max="2.14748E9" units="cm"/>
+          <inkml:channel name="F" type="integer" max="32767" units="dev"/>
+        </inkml:traceFormat>
+        <inkml:channelProperties>
+          <inkml:channelProperty channel="X" name="resolution" value="1000" units="1/cm"/>
+          <inkml:channelProperty channel="Y" name="resolution" value="1000" units="1/cm"/>
+          <inkml:channelProperty channel="F" name="resolution" value="0" units="1/dev"/>
+        </inkml:channelProperties>
+      </inkml:inkSource>
+      <inkml:timestamp xml:id="ts0" timeString="2024-03-26T11:22:35.639"/>
+    </inkml:context>
+    <inkml:brush xml:id="br0">
+      <inkml:brushProperty name="width" value="0.035" units="cm"/>
+      <inkml:brushProperty name="height" value="0.035" units="cm"/>
+      <inkml:brushProperty name="color" value="#E71224"/>
+    </inkml:brush>
+  </inkml:definitions>
+  <inkml:trace contextRef="#ctx0" brushRef="#br0">1 10 2161,'0'-3'16705,"3"-1"-16976,31 2 941,-34 2-606</inkml:trace>
+</inkml:ink>
+</file>
+
+<file path=ppt/ink/ink7.xml><?xml version="1.0" encoding="utf-8"?>
+<inkml:ink xmlns:inkml="http://www.w3.org/2003/InkML">
+  <inkml:definitions>
+    <inkml:context xml:id="ctx0">
+      <inkml:inkSource xml:id="inkSrc0">
+        <inkml:traceFormat>
+          <inkml:channel name="X" type="integer" min="-2.14748E9" max="2.14748E9" units="cm"/>
+          <inkml:channel name="Y" type="integer" min="-2.14748E9" max="2.14748E9" units="cm"/>
+          <inkml:channel name="F" type="integer" max="32767" units="dev"/>
+        </inkml:traceFormat>
+        <inkml:channelProperties>
+          <inkml:channelProperty channel="X" name="resolution" value="1000" units="1/cm"/>
+          <inkml:channelProperty channel="Y" name="resolution" value="1000" units="1/cm"/>
+          <inkml:channelProperty channel="F" name="resolution" value="0" units="1/dev"/>
+        </inkml:channelProperties>
+      </inkml:inkSource>
+      <inkml:timestamp xml:id="ts0" timeString="2024-03-26T11:22:36.779"/>
+    </inkml:context>
+    <inkml:brush xml:id="br0">
+      <inkml:brushProperty name="width" value="0.035" units="cm"/>
+      <inkml:brushProperty name="height" value="0.035" units="cm"/>
+      <inkml:brushProperty name="color" value="#E71224"/>
+    </inkml:brush>
+  </inkml:definitions>
+  <inkml:trace contextRef="#ctx0" brushRef="#br0">3 2 3586,'-2'-2'18870,"3"10"-18931,0 0 1,1 0-1,0-1 1,1 1 0,-1 0-1,1-1 1,1 0-1,0 0 1,0 0 0,8 11-1,-11-17-434,2 3-259,-2 3-6875</inkml:trace>
+</inkml:ink>
+</file>
+
 <file path=ppt/notesMasters/notesMaster1.xml><?xml version="1.0" encoding="utf-8"?>
 <p:notesMaster xmlns:a="http://schemas.openxmlformats.org/drawingml/2006/main" xmlns:r="http://schemas.openxmlformats.org/officeDocument/2006/relationships" xmlns:p="http://schemas.openxmlformats.org/presentationml/2006/main">
   <p:cSld>
@@ -291,7 +488,7 @@
           <a:p>
             <a:fld id="{A93CEB24-9393-4905-BECE-B4076292BA00}" type="datetimeFigureOut">
               <a:rPr lang="en-IN" smtClean="0"/>
-              <a:t>21-03-2024</a:t>
+              <a:t>27-03-2024</a:t>
             </a:fld>
             <a:endParaRPr lang="en-IN"/>
           </a:p>
@@ -690,7 +887,7 @@
           <a:p>
             <a:fld id="{FBDC6194-D6DB-4757-9B3B-60D716CA1B68}" type="datetimeFigureOut">
               <a:rPr lang="en-US" smtClean="0"/>
-              <a:t>3/21/2024</a:t>
+              <a:t>3/27/2024</a:t>
             </a:fld>
             <a:endParaRPr lang="en-US"/>
           </a:p>
@@ -1007,7 +1204,7 @@
           <a:p>
             <a:fld id="{FBDC6194-D6DB-4757-9B3B-60D716CA1B68}" type="datetimeFigureOut">
               <a:rPr lang="en-US" smtClean="0"/>
-              <a:t>3/21/2024</a:t>
+              <a:t>3/27/2024</a:t>
             </a:fld>
             <a:endParaRPr lang="en-US"/>
           </a:p>
@@ -1187,7 +1384,7 @@
           <a:p>
             <a:fld id="{FBDC6194-D6DB-4757-9B3B-60D716CA1B68}" type="datetimeFigureOut">
               <a:rPr lang="en-US" smtClean="0"/>
-              <a:t>3/21/2024</a:t>
+              <a:t>3/27/2024</a:t>
             </a:fld>
             <a:endParaRPr lang="en-US"/>
           </a:p>
@@ -1357,7 +1554,7 @@
           <a:p>
             <a:fld id="{FBDC6194-D6DB-4757-9B3B-60D716CA1B68}" type="datetimeFigureOut">
               <a:rPr lang="en-US" smtClean="0"/>
-              <a:t>3/21/2024</a:t>
+              <a:t>3/27/2024</a:t>
             </a:fld>
             <a:endParaRPr lang="en-US"/>
           </a:p>
@@ -1603,7 +1800,7 @@
           <a:p>
             <a:fld id="{FBDC6194-D6DB-4757-9B3B-60D716CA1B68}" type="datetimeFigureOut">
               <a:rPr lang="en-US" smtClean="0"/>
-              <a:t>3/21/2024</a:t>
+              <a:t>3/27/2024</a:t>
             </a:fld>
             <a:endParaRPr lang="en-US"/>
           </a:p>
@@ -1835,7 +2032,7 @@
           <a:p>
             <a:fld id="{FBDC6194-D6DB-4757-9B3B-60D716CA1B68}" type="datetimeFigureOut">
               <a:rPr lang="en-US" smtClean="0"/>
-              <a:t>3/21/2024</a:t>
+              <a:t>3/27/2024</a:t>
             </a:fld>
             <a:endParaRPr lang="en-US"/>
           </a:p>
@@ -2202,7 +2399,7 @@
           <a:p>
             <a:fld id="{FBDC6194-D6DB-4757-9B3B-60D716CA1B68}" type="datetimeFigureOut">
               <a:rPr lang="en-US" smtClean="0"/>
-              <a:t>3/21/2024</a:t>
+              <a:t>3/27/2024</a:t>
             </a:fld>
             <a:endParaRPr lang="en-US"/>
           </a:p>
@@ -2320,7 +2517,7 @@
           <a:p>
             <a:fld id="{FBDC6194-D6DB-4757-9B3B-60D716CA1B68}" type="datetimeFigureOut">
               <a:rPr lang="en-US" smtClean="0"/>
-              <a:t>3/21/2024</a:t>
+              <a:t>3/27/2024</a:t>
             </a:fld>
             <a:endParaRPr lang="en-US"/>
           </a:p>
@@ -2723,7 +2920,7 @@
           <a:p>
             <a:fld id="{FBDC6194-D6DB-4757-9B3B-60D716CA1B68}" type="datetimeFigureOut">
               <a:rPr lang="en-US" smtClean="0"/>
-              <a:t>3/21/2024</a:t>
+              <a:t>3/27/2024</a:t>
             </a:fld>
             <a:endParaRPr lang="en-US"/>
           </a:p>
@@ -3001,7 +3198,7 @@
           <a:p>
             <a:fld id="{FBDC6194-D6DB-4757-9B3B-60D716CA1B68}" type="datetimeFigureOut">
               <a:rPr lang="en-US" smtClean="0"/>
-              <a:t>3/21/2024</a:t>
+              <a:t>3/27/2024</a:t>
             </a:fld>
             <a:endParaRPr lang="en-US"/>
           </a:p>
@@ -3534,6 +3731,21 @@
 <file path=ppt/slides/slide2.xml><?xml version="1.0" encoding="utf-8"?>
 <p:sld xmlns:a="http://schemas.openxmlformats.org/drawingml/2006/main" xmlns:r="http://schemas.openxmlformats.org/officeDocument/2006/relationships" xmlns:p="http://schemas.openxmlformats.org/presentationml/2006/main">
   <p:cSld>
+    <p:bg>
+      <p:bgPr>
+        <a:blipFill dpi="0" rotWithShape="1">
+          <a:blip r:embed="rId2">
+            <a:alphaModFix amt="35000"/>
+            <a:lum/>
+          </a:blip>
+          <a:srcRect/>
+          <a:stretch>
+            <a:fillRect t="-37000" b="-37000"/>
+          </a:stretch>
+        </a:blipFill>
+        <a:effectLst/>
+      </p:bgPr>
+    </p:bg>
     <p:spTree>
       <p:nvGrpSpPr>
         <p:cNvPr id="1" name=""/>
@@ -3606,13 +3818,13 @@
         </p:nvSpPr>
         <p:spPr>
           <a:xfrm>
-            <a:off x="788431" y="981420"/>
-            <a:ext cx="10059677" cy="3278853"/>
+            <a:off x="1001411" y="1082053"/>
+            <a:ext cx="8423775" cy="2405615"/>
           </a:xfrm>
         </p:spPr>
         <p:txBody>
           <a:bodyPr>
-            <a:normAutofit fontScale="62500" lnSpcReduction="20000"/>
+            <a:normAutofit/>
           </a:bodyPr>
           <a:lstStyle/>
           <a:p>
@@ -3634,6 +3846,12 @@
           </a:p>
           <a:p>
             <a:pPr lvl="1"/>
+            <a:endParaRPr lang="en-IN" sz="1400" dirty="0">
+              <a:latin typeface="Frutiger LT Pro 55 Roman" panose="020B0602020204020204" pitchFamily="34" charset="0"/>
+            </a:endParaRPr>
+          </a:p>
+          <a:p>
+            <a:pPr lvl="1"/>
             <a:r>
               <a:rPr lang="en-IN" sz="1400" dirty="0">
                 <a:latin typeface="Frutiger LT Pro 55 Roman" panose="020B0602020204020204" pitchFamily="34" charset="0"/>
@@ -3643,6 +3861,12 @@
           </a:p>
           <a:p>
             <a:pPr lvl="1"/>
+            <a:endParaRPr lang="en-IN" sz="1400" dirty="0">
+              <a:latin typeface="Frutiger LT Pro 55 Roman" panose="020B0602020204020204" pitchFamily="34" charset="0"/>
+            </a:endParaRPr>
+          </a:p>
+          <a:p>
+            <a:pPr lvl="1"/>
             <a:r>
               <a:rPr lang="en-IN" sz="1400" dirty="0">
                 <a:latin typeface="Frutiger LT Pro 55 Roman" panose="020B0602020204020204" pitchFamily="34" charset="0"/>
@@ -3655,153 +3879,553 @@
               <a:latin typeface="Frutiger LT Pro 55 Roman" panose="020B0602020204020204" pitchFamily="34" charset="0"/>
             </a:endParaRPr>
           </a:p>
-          <a:p>
-            <a:r>
-              <a:rPr lang="en-US" sz="1800" b="1" dirty="0">
-                <a:latin typeface="Frutiger LT Pro 55 Roman" panose="020B0602020204020204" pitchFamily="34" charset="0"/>
-              </a:rPr>
-              <a:t>CAST Imaging (including CAST Dashboards)</a:t>
-            </a:r>
-          </a:p>
-          <a:p>
-            <a:pPr lvl="1"/>
-            <a:r>
-              <a:rPr lang="en-IN" sz="1800" dirty="0">
-                <a:solidFill>
-                  <a:srgbClr val="595959"/>
-                </a:solidFill>
-                <a:effectLst/>
-                <a:latin typeface="Frutiger LT Pro 55 Roman" panose="020B0602020204020204" pitchFamily="34" charset="0"/>
-                <a:ea typeface="Calibri" panose="020F0502020204030204" pitchFamily="34" charset="0"/>
-                <a:cs typeface="Mangal (Body CS)"/>
-              </a:rPr>
-              <a:t>A software architecture visualization and analysis tool that helps to understand the structure, dependencies, and interactions of software components</a:t>
-            </a:r>
-          </a:p>
-          <a:p>
-            <a:pPr lvl="1"/>
-            <a:r>
-              <a:rPr lang="en-IN" sz="1800" dirty="0">
-                <a:solidFill>
-                  <a:srgbClr val="595959"/>
-                </a:solidFill>
-                <a:effectLst/>
-                <a:latin typeface="Frutiger LT Pro 55 Roman" panose="020B0602020204020204" pitchFamily="34" charset="0"/>
-                <a:ea typeface="Calibri" panose="020F0502020204030204" pitchFamily="34" charset="0"/>
-                <a:cs typeface="Mangal (Body CS)"/>
-              </a:rPr>
-              <a:t>CAST Imaging helps to detect architectural flaws, design violations, and performance bottlenecks that can affect the quality and reliability of software systems</a:t>
-            </a:r>
-          </a:p>
-          <a:p>
-            <a:pPr lvl="1"/>
-            <a:r>
-              <a:rPr lang="en-IN" sz="1800" dirty="0">
-                <a:solidFill>
-                  <a:srgbClr val="595959"/>
-                </a:solidFill>
-                <a:effectLst/>
-                <a:latin typeface="Frutiger LT Pro 55 Roman" panose="020B0602020204020204" pitchFamily="34" charset="0"/>
-                <a:ea typeface="Calibri" panose="020F0502020204030204" pitchFamily="34" charset="0"/>
-                <a:cs typeface="Mangal (Body CS)"/>
-              </a:rPr>
-              <a:t>CAST Dashboards provides a holistic view of software health and risks across multiple dimensions, such as robustness, efficiency, security, changeability, and transferability</a:t>
-            </a:r>
-          </a:p>
-          <a:p>
-            <a:pPr lvl="1"/>
-            <a:r>
-              <a:rPr lang="en-IN" sz="1800" dirty="0">
-                <a:solidFill>
-                  <a:srgbClr val="595959"/>
-                </a:solidFill>
-                <a:effectLst/>
-                <a:latin typeface="Frutiger LT Pro 55 Roman" panose="020B0602020204020204" pitchFamily="34" charset="0"/>
-                <a:ea typeface="Calibri" panose="020F0502020204030204" pitchFamily="34" charset="0"/>
-                <a:cs typeface="Mangal (Body CS)"/>
-              </a:rPr>
-              <a:t>CAST Dashboards provides detailed diagnostics and remediation guidance to help software teams fix issues and optimize code </a:t>
-            </a:r>
-          </a:p>
-          <a:p>
-            <a:pPr lvl="1"/>
-            <a:endParaRPr lang="en-US" sz="1800" b="1" dirty="0">
-              <a:latin typeface="Frutiger LT Pro 55 Roman" panose="020B0602020204020204" pitchFamily="34" charset="0"/>
-            </a:endParaRPr>
-          </a:p>
-          <a:p>
-            <a:r>
-              <a:rPr lang="en-US" sz="1800" b="1" dirty="0">
-                <a:latin typeface="Frutiger LT Pro 55 Roman" panose="020B0602020204020204" pitchFamily="34" charset="0"/>
-              </a:rPr>
-              <a:t>CAST Highlight</a:t>
-            </a:r>
-          </a:p>
-          <a:p>
-            <a:pPr lvl="1"/>
-            <a:r>
-              <a:rPr lang="en-IN" sz="1800" dirty="0">
-                <a:solidFill>
-                  <a:srgbClr val="595959"/>
-                </a:solidFill>
-                <a:effectLst/>
-                <a:latin typeface="Frutiger LT Pro 55 Roman" panose="020B0602020204020204" pitchFamily="34" charset="0"/>
-                <a:ea typeface="Calibri" panose="020F0502020204030204" pitchFamily="34" charset="0"/>
-                <a:cs typeface="Mangal (Body CS)"/>
-              </a:rPr>
-              <a:t>Provides a comprehensive and granular evaluation of the cloud suitability and effort of applications, based on multiple dimensions and criteria, and supports various cloud platforms and providers</a:t>
-            </a:r>
-          </a:p>
-          <a:p>
-            <a:pPr lvl="1"/>
-            <a:r>
-              <a:rPr lang="en-US" sz="1800" dirty="0">
-                <a:solidFill>
-                  <a:srgbClr val="595959"/>
-                </a:solidFill>
-                <a:effectLst/>
-                <a:latin typeface="Frutiger LT Pro 55 Roman" panose="020B0602020204020204" pitchFamily="34" charset="0"/>
-                <a:ea typeface="Calibri" panose="020F0502020204030204" pitchFamily="34" charset="0"/>
-                <a:cs typeface="Mangal (Body CS)"/>
-              </a:rPr>
-              <a:t>Identifies open-source risks across the entire portfolio and prioritizes the most critical vulnerabilities to address first</a:t>
-            </a:r>
-          </a:p>
-          <a:p>
-            <a:pPr lvl="1"/>
-            <a:r>
-              <a:rPr lang="en-US" sz="1800" dirty="0">
-                <a:solidFill>
-                  <a:srgbClr val="595959"/>
-                </a:solidFill>
-                <a:effectLst/>
-                <a:latin typeface="Frutiger LT Pro 55 Roman" panose="020B0602020204020204" pitchFamily="34" charset="0"/>
-                <a:ea typeface="Calibri" panose="020F0502020204030204" pitchFamily="34" charset="0"/>
-                <a:cs typeface="Mangal (Body CS)"/>
-              </a:rPr>
-              <a:t>Reduce legal risks by detecting all licenses in use across components at portfolio and application level</a:t>
-            </a:r>
-            <a:endParaRPr lang="en-IN" sz="1800" dirty="0">
-              <a:solidFill>
-                <a:srgbClr val="595959"/>
-              </a:solidFill>
-              <a:effectLst/>
-              <a:latin typeface="Frutiger LT Pro 55 Roman" panose="020B0602020204020204" pitchFamily="34" charset="0"/>
-              <a:ea typeface="Calibri" panose="020F0502020204030204" pitchFamily="34" charset="0"/>
-              <a:cs typeface="Mangal (Body CS)"/>
-            </a:endParaRPr>
-          </a:p>
-          <a:p>
-            <a:pPr lvl="1"/>
-            <a:r>
-              <a:rPr lang="en-US" sz="1800" b="1" dirty="0">
-                <a:latin typeface="Frutiger LT Pro 55 Roman" panose="020B0602020204020204" pitchFamily="34" charset="0"/>
-              </a:rPr>
-              <a:t>Get insights on hidden risks due to open-source vulnerability and license risks in dependent components</a:t>
-            </a:r>
-          </a:p>
-        </p:txBody>
-      </p:sp>
+        </p:txBody>
+      </p:sp>
+      <p:pic>
+        <p:nvPicPr>
+          <p:cNvPr id="5" name="Picture 4">
+            <a:extLst>
+              <a:ext uri="{FF2B5EF4-FFF2-40B4-BE49-F238E27FC236}">
+                <a16:creationId xmlns:a16="http://schemas.microsoft.com/office/drawing/2014/main" id="{C999F7FB-622F-2EAE-4A29-B2FE4584E0EF}"/>
+              </a:ext>
+            </a:extLst>
+          </p:cNvPr>
+          <p:cNvPicPr>
+            <a:picLocks noChangeAspect="1"/>
+          </p:cNvPicPr>
+          <p:nvPr/>
+        </p:nvPicPr>
+        <p:blipFill>
+          <a:blip r:embed="rId3"/>
+          <a:stretch>
+            <a:fillRect/>
+          </a:stretch>
+        </p:blipFill>
+        <p:spPr>
+          <a:xfrm>
+            <a:off x="189601" y="1600482"/>
+            <a:ext cx="1197662" cy="1368756"/>
+          </a:xfrm>
+          <a:prstGeom prst="rect">
+            <a:avLst/>
+          </a:prstGeom>
+          <a:effectLst>
+            <a:outerShdw blurRad="63500" sx="102000" sy="102000" algn="ctr" rotWithShape="0">
+              <a:prstClr val="black">
+                <a:alpha val="40000"/>
+              </a:prstClr>
+            </a:outerShdw>
+            <a:softEdge rad="317500"/>
+          </a:effectLst>
+        </p:spPr>
+      </p:pic>
+      <p:pic>
+        <p:nvPicPr>
+          <p:cNvPr id="7" name="Picture 6">
+            <a:extLst>
+              <a:ext uri="{FF2B5EF4-FFF2-40B4-BE49-F238E27FC236}">
+                <a16:creationId xmlns:a16="http://schemas.microsoft.com/office/drawing/2014/main" id="{01F74196-6025-BA41-7E51-463C1E7E122D}"/>
+              </a:ext>
+            </a:extLst>
+          </p:cNvPr>
+          <p:cNvPicPr>
+            <a:picLocks noChangeAspect="1"/>
+          </p:cNvPicPr>
+          <p:nvPr/>
+        </p:nvPicPr>
+        <p:blipFill>
+          <a:blip r:embed="rId4"/>
+          <a:stretch>
+            <a:fillRect/>
+          </a:stretch>
+        </p:blipFill>
+        <p:spPr>
+          <a:xfrm>
+            <a:off x="8363261" y="874235"/>
+            <a:ext cx="862616" cy="937627"/>
+          </a:xfrm>
+          <a:prstGeom prst="rect">
+            <a:avLst/>
+          </a:prstGeom>
+          <a:effectLst>
+            <a:softEdge rad="127000"/>
+          </a:effectLst>
+        </p:spPr>
+      </p:pic>
+      <p:pic>
+        <p:nvPicPr>
+          <p:cNvPr id="9" name="Picture 8">
+            <a:extLst>
+              <a:ext uri="{FF2B5EF4-FFF2-40B4-BE49-F238E27FC236}">
+                <a16:creationId xmlns:a16="http://schemas.microsoft.com/office/drawing/2014/main" id="{4820FAD5-C876-B21A-60CB-3158E5E578A6}"/>
+              </a:ext>
+            </a:extLst>
+          </p:cNvPr>
+          <p:cNvPicPr>
+            <a:picLocks noChangeAspect="1"/>
+          </p:cNvPicPr>
+          <p:nvPr/>
+        </p:nvPicPr>
+        <p:blipFill>
+          <a:blip r:embed="rId5"/>
+          <a:stretch>
+            <a:fillRect/>
+          </a:stretch>
+        </p:blipFill>
+        <p:spPr>
+          <a:xfrm>
+            <a:off x="6537295" y="3158683"/>
+            <a:ext cx="1485142" cy="1143961"/>
+          </a:xfrm>
+          <a:prstGeom prst="round2DiagRect">
+            <a:avLst>
+              <a:gd name="adj1" fmla="val 16667"/>
+              <a:gd name="adj2" fmla="val 0"/>
+            </a:avLst>
+          </a:prstGeom>
+          <a:ln w="88900" cap="sq">
+            <a:solidFill>
+              <a:srgbClr val="FFFFFF"/>
+            </a:solidFill>
+            <a:miter lim="800000"/>
+          </a:ln>
+          <a:effectLst>
+            <a:outerShdw blurRad="254000" algn="tl" rotWithShape="0">
+              <a:srgbClr val="000000">
+                <a:alpha val="43000"/>
+              </a:srgbClr>
+            </a:outerShdw>
+          </a:effectLst>
+        </p:spPr>
+      </p:pic>
+      <p:pic>
+        <p:nvPicPr>
+          <p:cNvPr id="1028" name="Picture 4" descr="Customer satisfaction - Free people icons さん">
+            <a:extLst>
+              <a:ext uri="{FF2B5EF4-FFF2-40B4-BE49-F238E27FC236}">
+                <a16:creationId xmlns:a16="http://schemas.microsoft.com/office/drawing/2014/main" id="{9CD01E80-CDF8-082A-EB59-049F392E68EC}"/>
+              </a:ext>
+            </a:extLst>
+          </p:cNvPr>
+          <p:cNvPicPr>
+            <a:picLocks noChangeAspect="1" noChangeArrowheads="1"/>
+          </p:cNvPicPr>
+          <p:nvPr/>
+        </p:nvPicPr>
+        <p:blipFill>
+          <a:blip r:embed="rId6">
+            <a:extLst>
+              <a:ext uri="{28A0092B-C50C-407E-A947-70E740481C1C}">
+                <a14:useLocalDpi xmlns:a14="http://schemas.microsoft.com/office/drawing/2010/main" val="0"/>
+              </a:ext>
+            </a:extLst>
+          </a:blip>
+          <a:srcRect/>
+          <a:stretch>
+            <a:fillRect/>
+          </a:stretch>
+        </p:blipFill>
+        <p:spPr bwMode="auto">
+          <a:xfrm>
+            <a:off x="8428342" y="3355332"/>
+            <a:ext cx="1243787" cy="1243787"/>
+          </a:xfrm>
+          <a:prstGeom prst="roundRect">
+            <a:avLst>
+              <a:gd name="adj" fmla="val 8594"/>
+            </a:avLst>
+          </a:prstGeom>
+          <a:solidFill>
+            <a:srgbClr val="FFFFFF">
+              <a:shade val="85000"/>
+            </a:srgbClr>
+          </a:solidFill>
+          <a:ln>
+            <a:noFill/>
+          </a:ln>
+          <a:effectLst>
+            <a:reflection blurRad="12700" stA="38000" endPos="28000" dist="5000" dir="5400000" sy="-100000" algn="bl" rotWithShape="0"/>
+          </a:effectLst>
+        </p:spPr>
+      </p:pic>
+      <mc:AlternateContent xmlns:mc="http://schemas.openxmlformats.org/markup-compatibility/2006" xmlns:p14="http://schemas.microsoft.com/office/powerpoint/2010/main">
+        <mc:Choice Requires="p14">
+          <p:contentPart p14:bwMode="auto" r:id="rId7">
+            <p14:nvContentPartPr>
+              <p14:cNvPr id="32" name="Ink 31">
+                <a:extLst>
+                  <a:ext uri="{FF2B5EF4-FFF2-40B4-BE49-F238E27FC236}">
+                    <a16:creationId xmlns:a16="http://schemas.microsoft.com/office/drawing/2014/main" id="{DEF50A9A-3922-EB0B-A1BD-B363572984F9}"/>
+                  </a:ext>
+                </a:extLst>
+              </p14:cNvPr>
+              <p14:cNvContentPartPr/>
+              <p14:nvPr/>
+            </p14:nvContentPartPr>
+            <p14:xfrm>
+              <a:off x="9575520" y="3379500"/>
+              <a:ext cx="15480" cy="346680"/>
+            </p14:xfrm>
+          </p:contentPart>
+        </mc:Choice>
+        <mc:Fallback xmlns="">
+          <p:pic>
+            <p:nvPicPr>
+              <p:cNvPr id="32" name="Ink 31">
+                <a:extLst>
+                  <a:ext uri="{FF2B5EF4-FFF2-40B4-BE49-F238E27FC236}">
+                    <a16:creationId xmlns:a16="http://schemas.microsoft.com/office/drawing/2014/main" id="{DEF50A9A-3922-EB0B-A1BD-B363572984F9}"/>
+                  </a:ext>
+                </a:extLst>
+              </p:cNvPr>
+              <p:cNvPicPr/>
+              <p:nvPr/>
+            </p:nvPicPr>
+            <p:blipFill>
+              <a:blip r:embed="rId8"/>
+              <a:stretch>
+                <a:fillRect/>
+              </a:stretch>
+            </p:blipFill>
+            <p:spPr>
+              <a:xfrm>
+                <a:off x="9569400" y="3373380"/>
+                <a:ext cx="27720" cy="358920"/>
+              </a:xfrm>
+              <a:prstGeom prst="rect">
+                <a:avLst/>
+              </a:prstGeom>
+            </p:spPr>
+          </p:pic>
+        </mc:Fallback>
+      </mc:AlternateContent>
+      <mc:AlternateContent xmlns:mc="http://schemas.openxmlformats.org/markup-compatibility/2006" xmlns:p14="http://schemas.microsoft.com/office/powerpoint/2010/main">
+        <mc:Choice Requires="p14">
+          <p:contentPart p14:bwMode="auto" r:id="rId9">
+            <p14:nvContentPartPr>
+              <p14:cNvPr id="33" name="Ink 32">
+                <a:extLst>
+                  <a:ext uri="{FF2B5EF4-FFF2-40B4-BE49-F238E27FC236}">
+                    <a16:creationId xmlns:a16="http://schemas.microsoft.com/office/drawing/2014/main" id="{BB892B16-1DE2-5A6B-120F-621C5B3DA8CF}"/>
+                  </a:ext>
+                </a:extLst>
+              </p14:cNvPr>
+              <p14:cNvContentPartPr/>
+              <p14:nvPr/>
+            </p14:nvContentPartPr>
+            <p14:xfrm>
+              <a:off x="9555360" y="3377340"/>
+              <a:ext cx="55080" cy="57600"/>
+            </p14:xfrm>
+          </p:contentPart>
+        </mc:Choice>
+        <mc:Fallback xmlns="">
+          <p:pic>
+            <p:nvPicPr>
+              <p:cNvPr id="33" name="Ink 32">
+                <a:extLst>
+                  <a:ext uri="{FF2B5EF4-FFF2-40B4-BE49-F238E27FC236}">
+                    <a16:creationId xmlns:a16="http://schemas.microsoft.com/office/drawing/2014/main" id="{BB892B16-1DE2-5A6B-120F-621C5B3DA8CF}"/>
+                  </a:ext>
+                </a:extLst>
+              </p:cNvPr>
+              <p:cNvPicPr/>
+              <p:nvPr/>
+            </p:nvPicPr>
+            <p:blipFill>
+              <a:blip r:embed="rId10"/>
+              <a:stretch>
+                <a:fillRect/>
+              </a:stretch>
+            </p:blipFill>
+            <p:spPr>
+              <a:xfrm>
+                <a:off x="9549240" y="3371220"/>
+                <a:ext cx="67320" cy="69840"/>
+              </a:xfrm>
+              <a:prstGeom prst="rect">
+                <a:avLst/>
+              </a:prstGeom>
+            </p:spPr>
+          </p:pic>
+        </mc:Fallback>
+      </mc:AlternateContent>
+      <mc:AlternateContent xmlns:mc="http://schemas.openxmlformats.org/markup-compatibility/2006" xmlns:p14="http://schemas.microsoft.com/office/powerpoint/2010/main">
+        <mc:Choice Requires="p14">
+          <p:contentPart p14:bwMode="auto" r:id="rId11">
+            <p14:nvContentPartPr>
+              <p14:cNvPr id="34" name="Ink 33">
+                <a:extLst>
+                  <a:ext uri="{FF2B5EF4-FFF2-40B4-BE49-F238E27FC236}">
+                    <a16:creationId xmlns:a16="http://schemas.microsoft.com/office/drawing/2014/main" id="{C3436D0C-E3D8-107D-C2FA-477D0A7A51CC}"/>
+                  </a:ext>
+                </a:extLst>
+              </p14:cNvPr>
+              <p14:cNvContentPartPr/>
+              <p14:nvPr/>
+            </p14:nvContentPartPr>
+            <p14:xfrm>
+              <a:off x="9544560" y="3369420"/>
+              <a:ext cx="80280" cy="66240"/>
+            </p14:xfrm>
+          </p:contentPart>
+        </mc:Choice>
+        <mc:Fallback xmlns="">
+          <p:pic>
+            <p:nvPicPr>
+              <p:cNvPr id="34" name="Ink 33">
+                <a:extLst>
+                  <a:ext uri="{FF2B5EF4-FFF2-40B4-BE49-F238E27FC236}">
+                    <a16:creationId xmlns:a16="http://schemas.microsoft.com/office/drawing/2014/main" id="{C3436D0C-E3D8-107D-C2FA-477D0A7A51CC}"/>
+                  </a:ext>
+                </a:extLst>
+              </p:cNvPr>
+              <p:cNvPicPr/>
+              <p:nvPr/>
+            </p:nvPicPr>
+            <p:blipFill>
+              <a:blip r:embed="rId12"/>
+              <a:stretch>
+                <a:fillRect/>
+              </a:stretch>
+            </p:blipFill>
+            <p:spPr>
+              <a:xfrm>
+                <a:off x="9538440" y="3363300"/>
+                <a:ext cx="92520" cy="78480"/>
+              </a:xfrm>
+              <a:prstGeom prst="rect">
+                <a:avLst/>
+              </a:prstGeom>
+            </p:spPr>
+          </p:pic>
+        </mc:Fallback>
+      </mc:AlternateContent>
+      <p:grpSp>
+        <p:nvGrpSpPr>
+          <p:cNvPr id="41" name="Group 40">
+            <a:extLst>
+              <a:ext uri="{FF2B5EF4-FFF2-40B4-BE49-F238E27FC236}">
+                <a16:creationId xmlns:a16="http://schemas.microsoft.com/office/drawing/2014/main" id="{AA04A6FE-F375-61C6-497A-765C2C777F50}"/>
+              </a:ext>
+            </a:extLst>
+          </p:cNvPr>
+          <p:cNvGrpSpPr/>
+          <p:nvPr/>
+        </p:nvGrpSpPr>
+        <p:grpSpPr>
+          <a:xfrm>
+            <a:off x="9591000" y="3402900"/>
+            <a:ext cx="55800" cy="324000"/>
+            <a:chOff x="9591000" y="3402900"/>
+            <a:chExt cx="55800" cy="324000"/>
+          </a:xfrm>
+        </p:grpSpPr>
+        <mc:AlternateContent xmlns:mc="http://schemas.openxmlformats.org/markup-compatibility/2006" xmlns:p14="http://schemas.microsoft.com/office/powerpoint/2010/main">
+          <mc:Choice Requires="p14">
+            <p:contentPart p14:bwMode="auto" r:id="rId13">
+              <p14:nvContentPartPr>
+                <p14:cNvPr id="36" name="Ink 35">
+                  <a:extLst>
+                    <a:ext uri="{FF2B5EF4-FFF2-40B4-BE49-F238E27FC236}">
+                      <a16:creationId xmlns:a16="http://schemas.microsoft.com/office/drawing/2014/main" id="{90DC7381-816C-732A-E074-DEFB4C1C7442}"/>
+                    </a:ext>
+                  </a:extLst>
+                </p14:cNvPr>
+                <p14:cNvContentPartPr/>
+                <p14:nvPr/>
+              </p14:nvContentPartPr>
+              <p14:xfrm>
+                <a:off x="9591000" y="3437460"/>
+                <a:ext cx="5040" cy="289440"/>
+              </p14:xfrm>
+            </p:contentPart>
+          </mc:Choice>
+          <mc:Fallback xmlns="">
+            <p:pic>
+              <p:nvPicPr>
+                <p:cNvPr id="36" name="Ink 35">
+                  <a:extLst>
+                    <a:ext uri="{FF2B5EF4-FFF2-40B4-BE49-F238E27FC236}">
+                      <a16:creationId xmlns:a16="http://schemas.microsoft.com/office/drawing/2014/main" id="{90DC7381-816C-732A-E074-DEFB4C1C7442}"/>
+                    </a:ext>
+                  </a:extLst>
+                </p:cNvPr>
+                <p:cNvPicPr/>
+                <p:nvPr/>
+              </p:nvPicPr>
+              <p:blipFill>
+                <a:blip r:embed="rId14"/>
+                <a:stretch>
+                  <a:fillRect/>
+                </a:stretch>
+              </p:blipFill>
+              <p:spPr>
+                <a:xfrm>
+                  <a:off x="9584880" y="3431340"/>
+                  <a:ext cx="17280" cy="301680"/>
+                </a:xfrm>
+                <a:prstGeom prst="rect">
+                  <a:avLst/>
+                </a:prstGeom>
+              </p:spPr>
+            </p:pic>
+          </mc:Fallback>
+        </mc:AlternateContent>
+        <mc:AlternateContent xmlns:mc="http://schemas.openxmlformats.org/markup-compatibility/2006" xmlns:p14="http://schemas.microsoft.com/office/powerpoint/2010/main">
+          <mc:Choice Requires="p14">
+            <p:contentPart p14:bwMode="auto" r:id="rId15">
+              <p14:nvContentPartPr>
+                <p14:cNvPr id="37" name="Ink 36">
+                  <a:extLst>
+                    <a:ext uri="{FF2B5EF4-FFF2-40B4-BE49-F238E27FC236}">
+                      <a16:creationId xmlns:a16="http://schemas.microsoft.com/office/drawing/2014/main" id="{5525C82D-6C4B-2FE7-1CB6-D3929790EA8B}"/>
+                    </a:ext>
+                  </a:extLst>
+                </p14:cNvPr>
+                <p14:cNvContentPartPr/>
+                <p14:nvPr/>
+              </p14:nvContentPartPr>
+              <p14:xfrm>
+                <a:off x="9607200" y="3430260"/>
+                <a:ext cx="3960" cy="285480"/>
+              </p14:xfrm>
+            </p:contentPart>
+          </mc:Choice>
+          <mc:Fallback xmlns="">
+            <p:pic>
+              <p:nvPicPr>
+                <p:cNvPr id="37" name="Ink 36">
+                  <a:extLst>
+                    <a:ext uri="{FF2B5EF4-FFF2-40B4-BE49-F238E27FC236}">
+                      <a16:creationId xmlns:a16="http://schemas.microsoft.com/office/drawing/2014/main" id="{5525C82D-6C4B-2FE7-1CB6-D3929790EA8B}"/>
+                    </a:ext>
+                  </a:extLst>
+                </p:cNvPr>
+                <p:cNvPicPr/>
+                <p:nvPr/>
+              </p:nvPicPr>
+              <p:blipFill>
+                <a:blip r:embed="rId16"/>
+                <a:stretch>
+                  <a:fillRect/>
+                </a:stretch>
+              </p:blipFill>
+              <p:spPr>
+                <a:xfrm>
+                  <a:off x="9601080" y="3424140"/>
+                  <a:ext cx="16200" cy="297720"/>
+                </a:xfrm>
+                <a:prstGeom prst="rect">
+                  <a:avLst/>
+                </a:prstGeom>
+              </p:spPr>
+            </p:pic>
+          </mc:Fallback>
+        </mc:AlternateContent>
+        <mc:AlternateContent xmlns:mc="http://schemas.openxmlformats.org/markup-compatibility/2006" xmlns:p14="http://schemas.microsoft.com/office/powerpoint/2010/main">
+          <mc:Choice Requires="p14">
+            <p:contentPart p14:bwMode="auto" r:id="rId17">
+              <p14:nvContentPartPr>
+                <p14:cNvPr id="39" name="Ink 38">
+                  <a:extLst>
+                    <a:ext uri="{FF2B5EF4-FFF2-40B4-BE49-F238E27FC236}">
+                      <a16:creationId xmlns:a16="http://schemas.microsoft.com/office/drawing/2014/main" id="{07A6AEEB-3F05-ED7C-35D8-540B85230ACE}"/>
+                    </a:ext>
+                  </a:extLst>
+                </p14:cNvPr>
+                <p14:cNvContentPartPr/>
+                <p14:nvPr/>
+              </p14:nvContentPartPr>
+              <p14:xfrm>
+                <a:off x="9633120" y="3435300"/>
+                <a:ext cx="13680" cy="3960"/>
+              </p14:xfrm>
+            </p:contentPart>
+          </mc:Choice>
+          <mc:Fallback xmlns="">
+            <p:pic>
+              <p:nvPicPr>
+                <p:cNvPr id="39" name="Ink 38">
+                  <a:extLst>
+                    <a:ext uri="{FF2B5EF4-FFF2-40B4-BE49-F238E27FC236}">
+                      <a16:creationId xmlns:a16="http://schemas.microsoft.com/office/drawing/2014/main" id="{07A6AEEB-3F05-ED7C-35D8-540B85230ACE}"/>
+                    </a:ext>
+                  </a:extLst>
+                </p:cNvPr>
+                <p:cNvPicPr/>
+                <p:nvPr/>
+              </p:nvPicPr>
+              <p:blipFill>
+                <a:blip r:embed="rId18"/>
+                <a:stretch>
+                  <a:fillRect/>
+                </a:stretch>
+              </p:blipFill>
+              <p:spPr>
+                <a:xfrm>
+                  <a:off x="9627000" y="3429180"/>
+                  <a:ext cx="25920" cy="16200"/>
+                </a:xfrm>
+                <a:prstGeom prst="rect">
+                  <a:avLst/>
+                </a:prstGeom>
+              </p:spPr>
+            </p:pic>
+          </mc:Fallback>
+        </mc:AlternateContent>
+        <mc:AlternateContent xmlns:mc="http://schemas.openxmlformats.org/markup-compatibility/2006" xmlns:p14="http://schemas.microsoft.com/office/powerpoint/2010/main">
+          <mc:Choice Requires="p14">
+            <p:contentPart p14:bwMode="auto" r:id="rId19">
+              <p14:nvContentPartPr>
+                <p14:cNvPr id="40" name="Ink 39">
+                  <a:extLst>
+                    <a:ext uri="{FF2B5EF4-FFF2-40B4-BE49-F238E27FC236}">
+                      <a16:creationId xmlns:a16="http://schemas.microsoft.com/office/drawing/2014/main" id="{09C3165D-3727-1D97-8277-FB52B4F96DB4}"/>
+                    </a:ext>
+                  </a:extLst>
+                </p14:cNvPr>
+                <p14:cNvContentPartPr/>
+                <p14:nvPr/>
+              </p14:nvContentPartPr>
+              <p14:xfrm>
+                <a:off x="9627360" y="3402900"/>
+                <a:ext cx="15840" cy="38160"/>
+              </p14:xfrm>
+            </p:contentPart>
+          </mc:Choice>
+          <mc:Fallback xmlns="">
+            <p:pic>
+              <p:nvPicPr>
+                <p:cNvPr id="40" name="Ink 39">
+                  <a:extLst>
+                    <a:ext uri="{FF2B5EF4-FFF2-40B4-BE49-F238E27FC236}">
+                      <a16:creationId xmlns:a16="http://schemas.microsoft.com/office/drawing/2014/main" id="{09C3165D-3727-1D97-8277-FB52B4F96DB4}"/>
+                    </a:ext>
+                  </a:extLst>
+                </p:cNvPr>
+                <p:cNvPicPr/>
+                <p:nvPr/>
+              </p:nvPicPr>
+              <p:blipFill>
+                <a:blip r:embed="rId20"/>
+                <a:stretch>
+                  <a:fillRect/>
+                </a:stretch>
+              </p:blipFill>
+              <p:spPr>
+                <a:xfrm>
+                  <a:off x="9621240" y="3396780"/>
+                  <a:ext cx="28080" cy="50400"/>
+                </a:xfrm>
+                <a:prstGeom prst="rect">
+                  <a:avLst/>
+                </a:prstGeom>
+              </p:spPr>
+            </p:pic>
+          </mc:Fallback>
+        </mc:AlternateContent>
+      </p:grpSp>
     </p:spTree>
     <p:extLst>
       <p:ext uri="{BB962C8B-B14F-4D97-AF65-F5344CB8AC3E}">
@@ -3818,6 +4442,21 @@
 <file path=ppt/slides/slide3.xml><?xml version="1.0" encoding="utf-8"?>
 <p:sld xmlns:a="http://schemas.openxmlformats.org/drawingml/2006/main" xmlns:r="http://schemas.openxmlformats.org/officeDocument/2006/relationships" xmlns:p="http://schemas.openxmlformats.org/presentationml/2006/main">
   <p:cSld>
+    <p:bg>
+      <p:bgPr>
+        <a:blipFill dpi="0" rotWithShape="1">
+          <a:blip r:embed="rId2">
+            <a:alphaModFix amt="35000"/>
+            <a:lum/>
+          </a:blip>
+          <a:srcRect/>
+          <a:stretch>
+            <a:fillRect t="-37000" b="-37000"/>
+          </a:stretch>
+        </a:blipFill>
+        <a:effectLst/>
+      </p:bgPr>
+    </p:bg>
     <p:spTree>
       <p:nvGrpSpPr>
         <p:cNvPr id="1" name=""/>
@@ -3848,6 +4487,255 @@
             <p:ph type="title"/>
           </p:nvPr>
         </p:nvSpPr>
+        <p:spPr>
+          <a:xfrm>
+            <a:off x="788432" y="258631"/>
+            <a:ext cx="9891236" cy="676551"/>
+          </a:xfrm>
+        </p:spPr>
+        <p:txBody>
+          <a:bodyPr>
+            <a:normAutofit/>
+          </a:bodyPr>
+          <a:lstStyle/>
+          <a:p>
+            <a:r>
+              <a:rPr lang="en-US" dirty="0">
+                <a:latin typeface="Frutiger LT Pro 65 Bold" panose="020B0803030504020204" pitchFamily="34" charset="0"/>
+              </a:rPr>
+              <a:t>CAST Overview</a:t>
+            </a:r>
+            <a:endParaRPr lang="en-IN" dirty="0">
+              <a:latin typeface="Frutiger LT Pro 65 Bold" panose="020B0803030504020204" pitchFamily="34" charset="0"/>
+            </a:endParaRPr>
+          </a:p>
+        </p:txBody>
+      </p:sp>
+      <p:sp>
+        <p:nvSpPr>
+          <p:cNvPr id="3" name="Content Placeholder 2">
+            <a:extLst>
+              <a:ext uri="{FF2B5EF4-FFF2-40B4-BE49-F238E27FC236}">
+                <a16:creationId xmlns:a16="http://schemas.microsoft.com/office/drawing/2014/main" id="{39AEA797-12AE-2653-F634-F9FB6490ABD1}"/>
+              </a:ext>
+            </a:extLst>
+          </p:cNvPr>
+          <p:cNvSpPr>
+            <a:spLocks noGrp="1"/>
+          </p:cNvSpPr>
+          <p:nvPr>
+            <p:ph idx="1"/>
+          </p:nvPr>
+        </p:nvSpPr>
+        <p:spPr>
+          <a:xfrm>
+            <a:off x="788431" y="981420"/>
+            <a:ext cx="10059677" cy="3278853"/>
+          </a:xfrm>
+        </p:spPr>
+        <p:txBody>
+          <a:bodyPr>
+            <a:normAutofit fontScale="77500" lnSpcReduction="20000"/>
+          </a:bodyPr>
+          <a:lstStyle/>
+          <a:p>
+            <a:endParaRPr lang="en-US" sz="1800" b="1" dirty="0">
+              <a:latin typeface="Frutiger LT Pro 55 Roman" panose="020B0602020204020204" pitchFamily="34" charset="0"/>
+            </a:endParaRPr>
+          </a:p>
+          <a:p>
+            <a:r>
+              <a:rPr lang="en-US" sz="1800" b="1" dirty="0">
+                <a:latin typeface="Frutiger LT Pro 55 Roman" panose="020B0602020204020204" pitchFamily="34" charset="0"/>
+              </a:rPr>
+              <a:t>CAST Imaging (including CAST Dashboards)</a:t>
+            </a:r>
+          </a:p>
+          <a:p>
+            <a:pPr lvl="1"/>
+            <a:r>
+              <a:rPr lang="en-IN" sz="1800" dirty="0">
+                <a:solidFill>
+                  <a:srgbClr val="595959"/>
+                </a:solidFill>
+                <a:effectLst/>
+                <a:latin typeface="Frutiger LT Pro 55 Roman" panose="020B0602020204020204" pitchFamily="34" charset="0"/>
+                <a:ea typeface="Calibri" panose="020F0502020204030204" pitchFamily="34" charset="0"/>
+                <a:cs typeface="Mangal (Body CS)"/>
+              </a:rPr>
+              <a:t>A software architecture visualization and analysis tool that helps to understand the structure, dependencies, and interactions of software components</a:t>
+            </a:r>
+          </a:p>
+          <a:p>
+            <a:pPr lvl="1"/>
+            <a:r>
+              <a:rPr lang="en-IN" sz="1800" dirty="0">
+                <a:solidFill>
+                  <a:srgbClr val="595959"/>
+                </a:solidFill>
+                <a:effectLst/>
+                <a:latin typeface="Frutiger LT Pro 55 Roman" panose="020B0602020204020204" pitchFamily="34" charset="0"/>
+                <a:ea typeface="Calibri" panose="020F0502020204030204" pitchFamily="34" charset="0"/>
+                <a:cs typeface="Mangal (Body CS)"/>
+              </a:rPr>
+              <a:t>CAST Imaging helps to detect architectural flaws, design violations, and performance bottlenecks that can affect the quality and reliability of software systems</a:t>
+            </a:r>
+          </a:p>
+          <a:p>
+            <a:pPr lvl="1"/>
+            <a:r>
+              <a:rPr lang="en-IN" sz="1800" dirty="0">
+                <a:solidFill>
+                  <a:srgbClr val="595959"/>
+                </a:solidFill>
+                <a:effectLst/>
+                <a:latin typeface="Frutiger LT Pro 55 Roman" panose="020B0602020204020204" pitchFamily="34" charset="0"/>
+                <a:ea typeface="Calibri" panose="020F0502020204030204" pitchFamily="34" charset="0"/>
+                <a:cs typeface="Mangal (Body CS)"/>
+              </a:rPr>
+              <a:t>CAST Dashboards provides a holistic view of software health and risks across multiple dimensions, such as robustness, efficiency, security, changeability, and transferability</a:t>
+            </a:r>
+          </a:p>
+          <a:p>
+            <a:pPr lvl="1"/>
+            <a:r>
+              <a:rPr lang="en-IN" sz="1800" dirty="0">
+                <a:solidFill>
+                  <a:srgbClr val="595959"/>
+                </a:solidFill>
+                <a:effectLst/>
+                <a:latin typeface="Frutiger LT Pro 55 Roman" panose="020B0602020204020204" pitchFamily="34" charset="0"/>
+                <a:ea typeface="Calibri" panose="020F0502020204030204" pitchFamily="34" charset="0"/>
+                <a:cs typeface="Mangal (Body CS)"/>
+              </a:rPr>
+              <a:t>CAST Dashboards provides detailed diagnostics and remediation guidance to help software teams fix issues and optimize code </a:t>
+            </a:r>
+          </a:p>
+          <a:p>
+            <a:pPr lvl="1"/>
+            <a:endParaRPr lang="en-US" sz="1800" b="1" dirty="0">
+              <a:latin typeface="Frutiger LT Pro 55 Roman" panose="020B0602020204020204" pitchFamily="34" charset="0"/>
+            </a:endParaRPr>
+          </a:p>
+          <a:p>
+            <a:r>
+              <a:rPr lang="en-US" sz="1800" b="1" dirty="0">
+                <a:latin typeface="Frutiger LT Pro 55 Roman" panose="020B0602020204020204" pitchFamily="34" charset="0"/>
+              </a:rPr>
+              <a:t>CAST Highlight</a:t>
+            </a:r>
+          </a:p>
+          <a:p>
+            <a:pPr lvl="1"/>
+            <a:r>
+              <a:rPr lang="en-IN" sz="1800" dirty="0">
+                <a:solidFill>
+                  <a:srgbClr val="595959"/>
+                </a:solidFill>
+                <a:effectLst/>
+                <a:latin typeface="Frutiger LT Pro 55 Roman" panose="020B0602020204020204" pitchFamily="34" charset="0"/>
+                <a:ea typeface="Calibri" panose="020F0502020204030204" pitchFamily="34" charset="0"/>
+                <a:cs typeface="Mangal (Body CS)"/>
+              </a:rPr>
+              <a:t>Provides a comprehensive and granular evaluation of the cloud suitability and effort of applications, based on multiple dimensions and criteria, and supports various cloud platforms and providers</a:t>
+            </a:r>
+          </a:p>
+          <a:p>
+            <a:pPr lvl="1"/>
+            <a:r>
+              <a:rPr lang="en-US" sz="1800" dirty="0">
+                <a:solidFill>
+                  <a:srgbClr val="595959"/>
+                </a:solidFill>
+                <a:effectLst/>
+                <a:latin typeface="Frutiger LT Pro 55 Roman" panose="020B0602020204020204" pitchFamily="34" charset="0"/>
+                <a:ea typeface="Calibri" panose="020F0502020204030204" pitchFamily="34" charset="0"/>
+                <a:cs typeface="Mangal (Body CS)"/>
+              </a:rPr>
+              <a:t>Identifies open-source risks across the entire portfolio and prioritizes the most critical vulnerabilities to address first</a:t>
+            </a:r>
+          </a:p>
+          <a:p>
+            <a:pPr lvl="1"/>
+            <a:r>
+              <a:rPr lang="en-US" sz="1800" dirty="0">
+                <a:solidFill>
+                  <a:srgbClr val="595959"/>
+                </a:solidFill>
+                <a:effectLst/>
+                <a:latin typeface="Frutiger LT Pro 55 Roman" panose="020B0602020204020204" pitchFamily="34" charset="0"/>
+                <a:ea typeface="Calibri" panose="020F0502020204030204" pitchFamily="34" charset="0"/>
+                <a:cs typeface="Mangal (Body CS)"/>
+              </a:rPr>
+              <a:t>Reduce legal risks by detecting all licenses in use across components at portfolio and application level</a:t>
+            </a:r>
+            <a:endParaRPr lang="en-IN" sz="1800" dirty="0">
+              <a:solidFill>
+                <a:srgbClr val="595959"/>
+              </a:solidFill>
+              <a:effectLst/>
+              <a:latin typeface="Frutiger LT Pro 55 Roman" panose="020B0602020204020204" pitchFamily="34" charset="0"/>
+              <a:ea typeface="Calibri" panose="020F0502020204030204" pitchFamily="34" charset="0"/>
+              <a:cs typeface="Mangal (Body CS)"/>
+            </a:endParaRPr>
+          </a:p>
+          <a:p>
+            <a:pPr lvl="1"/>
+            <a:r>
+              <a:rPr lang="en-US" sz="1800" b="1" dirty="0">
+                <a:latin typeface="Frutiger LT Pro 55 Roman" panose="020B0602020204020204" pitchFamily="34" charset="0"/>
+              </a:rPr>
+              <a:t>Get insights on hidden risks due to open-source vulnerability and license risks in dependent components</a:t>
+            </a:r>
+          </a:p>
+        </p:txBody>
+      </p:sp>
+    </p:spTree>
+    <p:extLst>
+      <p:ext uri="{BB962C8B-B14F-4D97-AF65-F5344CB8AC3E}">
+        <p14:creationId xmlns:p14="http://schemas.microsoft.com/office/powerpoint/2010/main" val="1967087381"/>
+      </p:ext>
+    </p:extLst>
+  </p:cSld>
+  <p:clrMapOvr>
+    <a:masterClrMapping/>
+  </p:clrMapOvr>
+</p:sld>
+</file>
+
+<file path=ppt/slides/slide4.xml><?xml version="1.0" encoding="utf-8"?>
+<p:sld xmlns:a="http://schemas.openxmlformats.org/drawingml/2006/main" xmlns:r="http://schemas.openxmlformats.org/officeDocument/2006/relationships" xmlns:p="http://schemas.openxmlformats.org/presentationml/2006/main">
+  <p:cSld>
+    <p:spTree>
+      <p:nvGrpSpPr>
+        <p:cNvPr id="1" name=""/>
+        <p:cNvGrpSpPr/>
+        <p:nvPr/>
+      </p:nvGrpSpPr>
+      <p:grpSpPr>
+        <a:xfrm>
+          <a:off x="0" y="0"/>
+          <a:ext cx="0" cy="0"/>
+          <a:chOff x="0" y="0"/>
+          <a:chExt cx="0" cy="0"/>
+        </a:xfrm>
+      </p:grpSpPr>
+      <p:sp>
+        <p:nvSpPr>
+          <p:cNvPr id="2" name="Title 1">
+            <a:extLst>
+              <a:ext uri="{FF2B5EF4-FFF2-40B4-BE49-F238E27FC236}">
+                <a16:creationId xmlns:a16="http://schemas.microsoft.com/office/drawing/2014/main" id="{1DE3E462-19E1-A37C-3763-B590DE2C7F86}"/>
+              </a:ext>
+            </a:extLst>
+          </p:cNvPr>
+          <p:cNvSpPr>
+            <a:spLocks noGrp="1"/>
+          </p:cNvSpPr>
+          <p:nvPr>
+            <p:ph type="title"/>
+          </p:nvPr>
+        </p:nvSpPr>
         <p:spPr/>
         <p:txBody>
           <a:bodyPr>
@@ -4101,7 +4989,7 @@
 </p:sld>
 </file>
 
-<file path=ppt/slides/slide4.xml><?xml version="1.0" encoding="utf-8"?>
+<file path=ppt/slides/slide5.xml><?xml version="1.0" encoding="utf-8"?>
 <p:sld xmlns:a="http://schemas.openxmlformats.org/drawingml/2006/main" xmlns:r="http://schemas.openxmlformats.org/officeDocument/2006/relationships" xmlns:p="http://schemas.openxmlformats.org/presentationml/2006/main">
   <p:cSld>
     <p:spTree>
